--- a/Presentation.pptx
+++ b/Presentation.pptx
@@ -3888,7 +3888,7 @@
           <a:p>
             <a:r>
               <a:rPr lang="en-US" dirty="0"/>
-              <a:t>Procedural Content Generation</a:t>
+              <a:t>Depth First Backtracking Maze Generation</a:t>
             </a:r>
           </a:p>
           <a:p>
